--- a/Microsoft Movie Analysis.pptx
+++ b/Microsoft Movie Analysis.pptx
@@ -15,8 +15,8 @@
     <p:sldId id="266" r:id="rId9"/>
     <p:sldId id="267" r:id="rId10"/>
     <p:sldId id="268" r:id="rId11"/>
-    <p:sldId id="269" r:id="rId12"/>
-    <p:sldId id="270" r:id="rId13"/>
+    <p:sldId id="270" r:id="rId12"/>
+    <p:sldId id="271" r:id="rId13"/>
   </p:sldIdLst>
   <p:sldSz cx="12192000" cy="6858000"/>
   <p:notesSz cx="6858000" cy="9144000"/>
@@ -367,7 +367,7 @@
           <a:p>
             <a:fld id="{9184DA70-C731-4C70-880D-CCD4705E623C}" type="datetime1">
               <a:rPr lang="en-US" smtClean="0"/>
-              <a:t>11/19/2020</a:t>
+              <a:t>12/4/2020</a:t>
             </a:fld>
             <a:endParaRPr lang="en-US" dirty="0"/>
           </a:p>
@@ -555,7 +555,7 @@
           <a:p>
             <a:fld id="{B612A279-0833-481D-8C56-F67FD0AC6C50}" type="datetime1">
               <a:rPr lang="en-US" smtClean="0"/>
-              <a:t>11/19/2020</a:t>
+              <a:t>12/4/2020</a:t>
             </a:fld>
             <a:endParaRPr lang="en-US" dirty="0"/>
           </a:p>
@@ -797,7 +797,7 @@
           <a:p>
             <a:fld id="{6587DA83-5663-4C9C-B9AA-0B40A3DAFF81}" type="datetime1">
               <a:rPr lang="en-US" smtClean="0"/>
-              <a:t>11/19/2020</a:t>
+              <a:t>12/4/2020</a:t>
             </a:fld>
             <a:endParaRPr lang="en-US" dirty="0"/>
           </a:p>
@@ -985,7 +985,7 @@
           <a:p>
             <a:fld id="{4BE1D723-8F53-4F53-90B0-1982A396982E}" type="datetime1">
               <a:rPr lang="en-US" smtClean="0"/>
-              <a:t>11/19/2020</a:t>
+              <a:t>12/4/2020</a:t>
             </a:fld>
             <a:endParaRPr lang="en-US" dirty="0"/>
           </a:p>
@@ -1358,7 +1358,7 @@
           <a:p>
             <a:fld id="{97669AF7-7BEB-44E4-9852-375E34362B5B}" type="datetime1">
               <a:rPr lang="en-US" smtClean="0"/>
-              <a:t>11/19/2020</a:t>
+              <a:t>12/4/2020</a:t>
             </a:fld>
             <a:endParaRPr lang="en-US" dirty="0"/>
           </a:p>
@@ -1613,7 +1613,7 @@
           <a:p>
             <a:fld id="{BAAAC38D-0552-4C82-B593-E6124DFADBE2}" type="datetime1">
               <a:rPr lang="en-US" smtClean="0"/>
-              <a:t>11/19/2020</a:t>
+              <a:t>12/4/2020</a:t>
             </a:fld>
             <a:endParaRPr lang="en-US" dirty="0"/>
           </a:p>
@@ -2010,7 +2010,7 @@
           <a:p>
             <a:fld id="{D9DF0F1C-5577-4ACB-BB62-DF8F3C494C7E}" type="datetime1">
               <a:rPr lang="en-US" smtClean="0"/>
-              <a:t>11/19/2020</a:t>
+              <a:t>12/4/2020</a:t>
             </a:fld>
             <a:endParaRPr lang="en-US" dirty="0"/>
           </a:p>
@@ -2146,7 +2146,7 @@
           <a:p>
             <a:fld id="{1775B394-D9F9-4F0C-B15D-605F45CB9E9F}" type="datetime1">
               <a:rPr lang="en-US" smtClean="0"/>
-              <a:t>11/19/2020</a:t>
+              <a:t>12/4/2020</a:t>
             </a:fld>
             <a:endParaRPr lang="en-US" dirty="0"/>
           </a:p>
@@ -2303,7 +2303,7 @@
           <a:p>
             <a:fld id="{39667345-2558-425A-8533-9BFDBCE15005}" type="datetime1">
               <a:rPr lang="en-US" smtClean="0"/>
-              <a:t>11/19/2020</a:t>
+              <a:t>12/4/2020</a:t>
             </a:fld>
             <a:endParaRPr lang="en-US" dirty="0"/>
           </a:p>
@@ -2632,7 +2632,7 @@
           <a:p>
             <a:fld id="{92BEA474-078D-4E9B-9B14-09A87B19DC46}" type="datetime1">
               <a:rPr lang="en-US" smtClean="0"/>
-              <a:t>11/19/2020</a:t>
+              <a:t>12/4/2020</a:t>
             </a:fld>
             <a:endParaRPr lang="en-US" dirty="0"/>
           </a:p>
@@ -2982,7 +2982,7 @@
           <a:p>
             <a:fld id="{4907D986-8816-4272-A432-0437A28A9828}" type="datetime1">
               <a:rPr lang="en-US" smtClean="0"/>
-              <a:t>11/19/2020</a:t>
+              <a:t>12/4/2020</a:t>
             </a:fld>
             <a:endParaRPr lang="en-US" dirty="0"/>
           </a:p>
@@ -3243,7 +3243,7 @@
           <a:p>
             <a:fld id="{62D6E202-B606-4609-B914-27C9371A1F6D}" type="datetime1">
               <a:rPr lang="en-US" smtClean="0"/>
-              <a:t>11/19/2020</a:t>
+              <a:t>12/4/2020</a:t>
             </a:fld>
             <a:endParaRPr lang="en-US" dirty="0"/>
           </a:p>
@@ -3911,6 +3911,17 @@
           </a:p>
           <a:p>
             <a:r>
+              <a:rPr lang="en-US">
+                <a:solidFill>
+                  <a:schemeClr val="tx1">
+                    <a:lumMod val="85000"/>
+                    <a:lumOff val="15000"/>
+                  </a:schemeClr>
+                </a:solidFill>
+              </a:rPr>
+              <a:t>2 December </a:t>
+            </a:r>
+            <a:r>
               <a:rPr lang="en-US" dirty="0">
                 <a:solidFill>
                   <a:schemeClr val="tx1">
@@ -3919,7 +3930,7 @@
                   </a:schemeClr>
                 </a:solidFill>
               </a:rPr>
-              <a:t>22 November 2020</a:t>
+              <a:t>2020</a:t>
             </a:r>
             <a:endParaRPr lang="en-US" sz="2400" dirty="0">
               <a:solidFill>
@@ -4178,7 +4189,7 @@
           <p:cNvPr id="2" name="Title 1">
             <a:extLst>
               <a:ext uri="{FF2B5EF4-FFF2-40B4-BE49-F238E27FC236}">
-                <a16:creationId xmlns:a16="http://schemas.microsoft.com/office/drawing/2014/main" id="{30C2EFC6-8804-4323-B57B-D9C8322AC2EB}"/>
+                <a16:creationId xmlns:a16="http://schemas.microsoft.com/office/drawing/2014/main" id="{C8A854F4-00A3-4ED9-B530-A4F952E6C15B}"/>
               </a:ext>
             </a:extLst>
           </p:cNvPr>
@@ -4189,12 +4200,7 @@
             <p:ph type="title"/>
           </p:nvPr>
         </p:nvSpPr>
-        <p:spPr>
-          <a:xfrm>
-            <a:off x="643466" y="786383"/>
-            <a:ext cx="3517567" cy="829353"/>
-          </a:xfrm>
-        </p:spPr>
+        <p:spPr/>
         <p:txBody>
           <a:bodyPr/>
           <a:lstStyle/>
@@ -4206,94 +4212,91 @@
           </a:p>
         </p:txBody>
       </p:sp>
-      <p:pic>
-        <p:nvPicPr>
-          <p:cNvPr id="6" name="Content Placeholder 5">
-            <a:extLst>
-              <a:ext uri="{FF2B5EF4-FFF2-40B4-BE49-F238E27FC236}">
-                <a16:creationId xmlns:a16="http://schemas.microsoft.com/office/drawing/2014/main" id="{030ABA3A-0AE3-45F7-8CE9-0E2F7E5B7442}"/>
-              </a:ext>
-            </a:extLst>
-          </p:cNvPr>
-          <p:cNvPicPr>
-            <a:picLocks noGrp="1" noChangeAspect="1"/>
-          </p:cNvPicPr>
+      <p:sp>
+        <p:nvSpPr>
+          <p:cNvPr id="3" name="Content Placeholder 2">
+            <a:extLst>
+              <a:ext uri="{FF2B5EF4-FFF2-40B4-BE49-F238E27FC236}">
+                <a16:creationId xmlns:a16="http://schemas.microsoft.com/office/drawing/2014/main" id="{A9548DE5-5977-4A4B-A444-F3195C5D06FE}"/>
+              </a:ext>
+            </a:extLst>
+          </p:cNvPr>
+          <p:cNvSpPr>
+            <a:spLocks noGrp="1"/>
+          </p:cNvSpPr>
           <p:nvPr>
             <p:ph idx="1"/>
           </p:nvPr>
-        </p:nvPicPr>
-        <p:blipFill>
-          <a:blip r:embed="rId2">
-            <a:extLst>
-              <a:ext uri="{28A0092B-C50C-407E-A947-70E740481C1C}">
-                <a14:useLocalDpi xmlns:a14="http://schemas.microsoft.com/office/drawing/2010/main" val="0"/>
-              </a:ext>
-            </a:extLst>
-          </a:blip>
-          <a:stretch>
-            <a:fillRect/>
-          </a:stretch>
-        </p:blipFill>
-        <p:spPr>
-          <a:xfrm>
-            <a:off x="4856803" y="577049"/>
-            <a:ext cx="6530336" cy="5699464"/>
-          </a:xfrm>
-        </p:spPr>
-      </p:pic>
-      <p:sp>
-        <p:nvSpPr>
-          <p:cNvPr id="4" name="Text Placeholder 3">
-            <a:extLst>
-              <a:ext uri="{FF2B5EF4-FFF2-40B4-BE49-F238E27FC236}">
-                <a16:creationId xmlns:a16="http://schemas.microsoft.com/office/drawing/2014/main" id="{EB59D0FA-D43C-4FD0-B835-43CB0FC679FF}"/>
-              </a:ext>
-            </a:extLst>
-          </p:cNvPr>
-          <p:cNvSpPr>
-            <a:spLocks noGrp="1"/>
-          </p:cNvSpPr>
-          <p:nvPr>
-            <p:ph type="body" sz="half" idx="2"/>
-          </p:nvPr>
-        </p:nvSpPr>
-        <p:spPr>
-          <a:xfrm>
-            <a:off x="643465" y="1890944"/>
-            <a:ext cx="3517567" cy="4216611"/>
-          </a:xfrm>
-        </p:spPr>
-        <p:txBody>
-          <a:bodyPr/>
-          <a:lstStyle/>
-          <a:p>
-            <a:pPr marL="285750" indent="-285750">
+        </p:nvSpPr>
+        <p:spPr/>
+        <p:txBody>
+          <a:bodyPr>
+            <a:normAutofit/>
+          </a:bodyPr>
+          <a:lstStyle/>
+          <a:p>
+            <a:pPr lvl="2">
               <a:buFont typeface="Arial" panose="020B0604020202020204" pitchFamily="34" charset="0"/>
               <a:buChar char="•"/>
             </a:pPr>
             <a:r>
-              <a:rPr lang="en-US" dirty="0"/>
-              <a:t>Microsoft has access to at least 4 different billion dollar properties</a:t>
-            </a:r>
-          </a:p>
-          <a:p>
-            <a:pPr marL="285750" indent="-285750">
+              <a:rPr lang="en-US" sz="2400" dirty="0"/>
+              <a:t>Sequels (3</a:t>
+            </a:r>
+            <a:r>
+              <a:rPr lang="en-US" sz="2400" baseline="30000" dirty="0"/>
+              <a:t>rd</a:t>
+            </a:r>
+            <a:r>
+              <a:rPr lang="en-US" sz="2400" dirty="0"/>
+              <a:t> or higher) are among the most financially successful movies of all time.</a:t>
+            </a:r>
+          </a:p>
+          <a:p>
+            <a:pPr lvl="2">
               <a:buFont typeface="Arial" panose="020B0604020202020204" pitchFamily="34" charset="0"/>
               <a:buChar char="•"/>
             </a:pPr>
             <a:r>
-              <a:rPr lang="en-US" dirty="0"/>
-              <a:t>Sequels (and further) tend to do better than the originals</a:t>
-            </a:r>
-          </a:p>
-          <a:p>
-            <a:pPr marL="285750" indent="-285750">
+              <a:rPr lang="en-US" sz="2400" dirty="0"/>
+              <a:t>Movies tend to make more money as their series progresses</a:t>
+            </a:r>
+          </a:p>
+          <a:p>
+            <a:pPr lvl="2">
               <a:buFont typeface="Arial" panose="020B0604020202020204" pitchFamily="34" charset="0"/>
               <a:buChar char="•"/>
             </a:pPr>
             <a:r>
-              <a:rPr lang="en-US" dirty="0"/>
-              <a:t>In order to maximize profits they should invest and commit to making a series of movies.</a:t>
+              <a:rPr lang="en-US" sz="2400" dirty="0"/>
+              <a:t>Microsoft owns some multi-billion dollar franchises they can easily turn into movies</a:t>
+            </a:r>
+          </a:p>
+          <a:p>
+            <a:pPr marL="384048" lvl="2" indent="0">
+              <a:buNone/>
+            </a:pPr>
+            <a:r>
+              <a:rPr lang="en-US" sz="2400" dirty="0"/>
+              <a:t>Further considerations:</a:t>
+            </a:r>
+          </a:p>
+          <a:p>
+            <a:pPr lvl="2"/>
+            <a:r>
+              <a:rPr lang="en-US" sz="2400" dirty="0"/>
+              <a:t>Other movie franchises and how they’ve done with successive movies</a:t>
+            </a:r>
+          </a:p>
+          <a:p>
+            <a:pPr lvl="2"/>
+            <a:r>
+              <a:rPr lang="en-US" sz="2400" dirty="0"/>
+              <a:t>How movies with similar stories have fared against </a:t>
+            </a:r>
+            <a:r>
+              <a:rPr lang="en-US" sz="2400"/>
+              <a:t>each other</a:t>
             </a:r>
           </a:p>
         </p:txBody>
@@ -4301,7 +4304,7 @@
     </p:spTree>
     <p:extLst>
       <p:ext uri="{BB962C8B-B14F-4D97-AF65-F5344CB8AC3E}">
-        <p14:creationId xmlns:p14="http://schemas.microsoft.com/office/powerpoint/2010/main" val="2241325275"/>
+        <p14:creationId xmlns:p14="http://schemas.microsoft.com/office/powerpoint/2010/main" val="2057814354"/>
       </p:ext>
     </p:extLst>
   </p:cSld>
@@ -4333,15 +4336,48 @@
           <p:cNvPr id="2" name="Title 1">
             <a:extLst>
               <a:ext uri="{FF2B5EF4-FFF2-40B4-BE49-F238E27FC236}">
-                <a16:creationId xmlns:a16="http://schemas.microsoft.com/office/drawing/2014/main" id="{C8A854F4-00A3-4ED9-B530-A4F952E6C15B}"/>
-              </a:ext>
-            </a:extLst>
-          </p:cNvPr>
-          <p:cNvSpPr>
-            <a:spLocks noGrp="1"/>
-          </p:cNvSpPr>
-          <p:nvPr>
-            <p:ph type="title"/>
+                <a16:creationId xmlns:a16="http://schemas.microsoft.com/office/drawing/2014/main" id="{5F0FCDB2-82AB-4717-B626-8AD3BF8BD2B8}"/>
+              </a:ext>
+            </a:extLst>
+          </p:cNvPr>
+          <p:cNvSpPr>
+            <a:spLocks noGrp="1"/>
+          </p:cNvSpPr>
+          <p:nvPr>
+            <p:ph type="ctrTitle"/>
+          </p:nvPr>
+        </p:nvSpPr>
+        <p:spPr>
+          <a:xfrm>
+            <a:off x="1097280" y="758952"/>
+            <a:ext cx="10058400" cy="1780062"/>
+          </a:xfrm>
+        </p:spPr>
+        <p:txBody>
+          <a:bodyPr/>
+          <a:lstStyle/>
+          <a:p>
+            <a:r>
+              <a:rPr lang="en-US" dirty="0"/>
+              <a:t>Thank you!</a:t>
+            </a:r>
+          </a:p>
+        </p:txBody>
+      </p:sp>
+      <p:sp>
+        <p:nvSpPr>
+          <p:cNvPr id="3" name="Subtitle 2">
+            <a:extLst>
+              <a:ext uri="{FF2B5EF4-FFF2-40B4-BE49-F238E27FC236}">
+                <a16:creationId xmlns:a16="http://schemas.microsoft.com/office/drawing/2014/main" id="{B4F0E848-EBAE-4601-B881-8D83D5CC9614}"/>
+              </a:ext>
+            </a:extLst>
+          </p:cNvPr>
+          <p:cNvSpPr>
+            <a:spLocks noGrp="1"/>
+          </p:cNvSpPr>
+          <p:nvPr>
+            <p:ph type="subTitle" idx="1"/>
           </p:nvPr>
         </p:nvSpPr>
         <p:spPr/>
@@ -4351,96 +4387,7 @@
           <a:p>
             <a:r>
               <a:rPr lang="en-US" dirty="0"/>
-              <a:t>Conclusion:</a:t>
-            </a:r>
-          </a:p>
-        </p:txBody>
-      </p:sp>
-      <p:sp>
-        <p:nvSpPr>
-          <p:cNvPr id="3" name="Content Placeholder 2">
-            <a:extLst>
-              <a:ext uri="{FF2B5EF4-FFF2-40B4-BE49-F238E27FC236}">
-                <a16:creationId xmlns:a16="http://schemas.microsoft.com/office/drawing/2014/main" id="{A9548DE5-5977-4A4B-A444-F3195C5D06FE}"/>
-              </a:ext>
-            </a:extLst>
-          </p:cNvPr>
-          <p:cNvSpPr>
-            <a:spLocks noGrp="1"/>
-          </p:cNvSpPr>
-          <p:nvPr>
-            <p:ph idx="1"/>
-          </p:nvPr>
-        </p:nvSpPr>
-        <p:spPr/>
-        <p:txBody>
-          <a:bodyPr>
-            <a:normAutofit/>
-          </a:bodyPr>
-          <a:lstStyle/>
-          <a:p>
-            <a:pPr lvl="2">
-              <a:buFont typeface="Arial" panose="020B0604020202020204" pitchFamily="34" charset="0"/>
-              <a:buChar char="•"/>
-            </a:pPr>
-            <a:r>
-              <a:rPr lang="en-US" sz="2400" dirty="0"/>
-              <a:t>Sequels (3</a:t>
-            </a:r>
-            <a:r>
-              <a:rPr lang="en-US" sz="2400" baseline="30000" dirty="0"/>
-              <a:t>rd</a:t>
-            </a:r>
-            <a:r>
-              <a:rPr lang="en-US" sz="2400" dirty="0"/>
-              <a:t> or higher) are among the most financially successful movies of all time.</a:t>
-            </a:r>
-          </a:p>
-          <a:p>
-            <a:pPr lvl="2">
-              <a:buFont typeface="Arial" panose="020B0604020202020204" pitchFamily="34" charset="0"/>
-              <a:buChar char="•"/>
-            </a:pPr>
-            <a:r>
-              <a:rPr lang="en-US" sz="2400" dirty="0"/>
-              <a:t>Movies tend to make more money as their series progresses</a:t>
-            </a:r>
-          </a:p>
-          <a:p>
-            <a:pPr lvl="2">
-              <a:buFont typeface="Arial" panose="020B0604020202020204" pitchFamily="34" charset="0"/>
-              <a:buChar char="•"/>
-            </a:pPr>
-            <a:r>
-              <a:rPr lang="en-US" sz="2400" dirty="0"/>
-              <a:t>Microsoft owns some multi-billion dollar franchises they can easily turn into movies</a:t>
-            </a:r>
-          </a:p>
-          <a:p>
-            <a:pPr marL="384048" lvl="2" indent="0">
-              <a:buNone/>
-            </a:pPr>
-            <a:r>
-              <a:rPr lang="en-US" sz="2400" dirty="0"/>
-              <a:t>Further considerations:</a:t>
-            </a:r>
-          </a:p>
-          <a:p>
-            <a:pPr lvl="2"/>
-            <a:r>
-              <a:rPr lang="en-US" sz="2400" dirty="0"/>
-              <a:t>Other movie franchises and how they’ve done with successive movies</a:t>
-            </a:r>
-          </a:p>
-          <a:p>
-            <a:pPr lvl="2"/>
-            <a:r>
-              <a:rPr lang="en-US" sz="2400" dirty="0"/>
-              <a:t>How movies with similar stories have fared against </a:t>
-            </a:r>
-            <a:r>
-              <a:rPr lang="en-US" sz="2400"/>
-              <a:t>each other</a:t>
+              <a:t>Questions?</a:t>
             </a:r>
           </a:p>
         </p:txBody>
@@ -4448,7 +4395,7 @@
     </p:spTree>
     <p:extLst>
       <p:ext uri="{BB962C8B-B14F-4D97-AF65-F5344CB8AC3E}">
-        <p14:creationId xmlns:p14="http://schemas.microsoft.com/office/powerpoint/2010/main" val="2057814354"/>
+        <p14:creationId xmlns:p14="http://schemas.microsoft.com/office/powerpoint/2010/main" val="3566971848"/>
       </p:ext>
     </p:extLst>
   </p:cSld>
@@ -4913,7 +4860,7 @@
         </p:blipFill>
         <p:spPr>
           <a:xfrm>
-            <a:off x="14796" y="-79899"/>
+            <a:off x="0" y="135305"/>
             <a:ext cx="12242759" cy="4492101"/>
           </a:xfrm>
         </p:spPr>
@@ -5041,8 +4988,8 @@
         </p:blipFill>
         <p:spPr>
           <a:xfrm>
-            <a:off x="15" y="-204186"/>
-            <a:ext cx="12191985" cy="5051394"/>
+            <a:off x="0" y="106532"/>
+            <a:ext cx="12191985" cy="4882718"/>
           </a:xfrm>
         </p:spPr>
       </p:pic>
@@ -5161,7 +5108,12 @@
             <a:fillRect/>
           </a:stretch>
         </p:blipFill>
-        <p:spPr/>
+        <p:spPr>
+          <a:xfrm>
+            <a:off x="0" y="221012"/>
+            <a:ext cx="12191985" cy="4578350"/>
+          </a:xfrm>
+        </p:spPr>
       </p:pic>
       <p:sp>
         <p:nvSpPr>
@@ -5296,7 +5248,7 @@
         </p:blipFill>
         <p:spPr>
           <a:xfrm>
-            <a:off x="15" y="-195309"/>
+            <a:off x="0" y="0"/>
             <a:ext cx="12191985" cy="4994671"/>
           </a:xfrm>
         </p:spPr>
@@ -5426,7 +5378,7 @@
         </p:blipFill>
         <p:spPr>
           <a:xfrm>
-            <a:off x="15" y="-177553"/>
+            <a:off x="0" y="-41927"/>
             <a:ext cx="12191985" cy="5450889"/>
           </a:xfrm>
         </p:spPr>

--- a/Microsoft Movie Analysis.pptx
+++ b/Microsoft Movie Analysis.pptx
@@ -11,12 +11,13 @@
     <p:sldId id="262" r:id="rId5"/>
     <p:sldId id="263" r:id="rId6"/>
     <p:sldId id="264" r:id="rId7"/>
-    <p:sldId id="265" r:id="rId8"/>
-    <p:sldId id="266" r:id="rId9"/>
-    <p:sldId id="267" r:id="rId10"/>
-    <p:sldId id="268" r:id="rId11"/>
-    <p:sldId id="270" r:id="rId12"/>
-    <p:sldId id="271" r:id="rId13"/>
+    <p:sldId id="272" r:id="rId8"/>
+    <p:sldId id="265" r:id="rId9"/>
+    <p:sldId id="266" r:id="rId10"/>
+    <p:sldId id="267" r:id="rId11"/>
+    <p:sldId id="268" r:id="rId12"/>
+    <p:sldId id="270" r:id="rId13"/>
+    <p:sldId id="271" r:id="rId14"/>
   </p:sldIdLst>
   <p:sldSz cx="12192000" cy="6858000"/>
   <p:notesSz cx="6858000" cy="9144000"/>
@@ -367,7 +368,7 @@
           <a:p>
             <a:fld id="{9184DA70-C731-4C70-880D-CCD4705E623C}" type="datetime1">
               <a:rPr lang="en-US" smtClean="0"/>
-              <a:t>12/4/2020</a:t>
+              <a:t>12/7/2020</a:t>
             </a:fld>
             <a:endParaRPr lang="en-US" dirty="0"/>
           </a:p>
@@ -555,7 +556,7 @@
           <a:p>
             <a:fld id="{B612A279-0833-481D-8C56-F67FD0AC6C50}" type="datetime1">
               <a:rPr lang="en-US" smtClean="0"/>
-              <a:t>12/4/2020</a:t>
+              <a:t>12/7/2020</a:t>
             </a:fld>
             <a:endParaRPr lang="en-US" dirty="0"/>
           </a:p>
@@ -797,7 +798,7 @@
           <a:p>
             <a:fld id="{6587DA83-5663-4C9C-B9AA-0B40A3DAFF81}" type="datetime1">
               <a:rPr lang="en-US" smtClean="0"/>
-              <a:t>12/4/2020</a:t>
+              <a:t>12/7/2020</a:t>
             </a:fld>
             <a:endParaRPr lang="en-US" dirty="0"/>
           </a:p>
@@ -985,7 +986,7 @@
           <a:p>
             <a:fld id="{4BE1D723-8F53-4F53-90B0-1982A396982E}" type="datetime1">
               <a:rPr lang="en-US" smtClean="0"/>
-              <a:t>12/4/2020</a:t>
+              <a:t>12/7/2020</a:t>
             </a:fld>
             <a:endParaRPr lang="en-US" dirty="0"/>
           </a:p>
@@ -1358,7 +1359,7 @@
           <a:p>
             <a:fld id="{97669AF7-7BEB-44E4-9852-375E34362B5B}" type="datetime1">
               <a:rPr lang="en-US" smtClean="0"/>
-              <a:t>12/4/2020</a:t>
+              <a:t>12/7/2020</a:t>
             </a:fld>
             <a:endParaRPr lang="en-US" dirty="0"/>
           </a:p>
@@ -1613,7 +1614,7 @@
           <a:p>
             <a:fld id="{BAAAC38D-0552-4C82-B593-E6124DFADBE2}" type="datetime1">
               <a:rPr lang="en-US" smtClean="0"/>
-              <a:t>12/4/2020</a:t>
+              <a:t>12/7/2020</a:t>
             </a:fld>
             <a:endParaRPr lang="en-US" dirty="0"/>
           </a:p>
@@ -2010,7 +2011,7 @@
           <a:p>
             <a:fld id="{D9DF0F1C-5577-4ACB-BB62-DF8F3C494C7E}" type="datetime1">
               <a:rPr lang="en-US" smtClean="0"/>
-              <a:t>12/4/2020</a:t>
+              <a:t>12/7/2020</a:t>
             </a:fld>
             <a:endParaRPr lang="en-US" dirty="0"/>
           </a:p>
@@ -2146,7 +2147,7 @@
           <a:p>
             <a:fld id="{1775B394-D9F9-4F0C-B15D-605F45CB9E9F}" type="datetime1">
               <a:rPr lang="en-US" smtClean="0"/>
-              <a:t>12/4/2020</a:t>
+              <a:t>12/7/2020</a:t>
             </a:fld>
             <a:endParaRPr lang="en-US" dirty="0"/>
           </a:p>
@@ -2303,7 +2304,7 @@
           <a:p>
             <a:fld id="{39667345-2558-425A-8533-9BFDBCE15005}" type="datetime1">
               <a:rPr lang="en-US" smtClean="0"/>
-              <a:t>12/4/2020</a:t>
+              <a:t>12/7/2020</a:t>
             </a:fld>
             <a:endParaRPr lang="en-US" dirty="0"/>
           </a:p>
@@ -2632,7 +2633,7 @@
           <a:p>
             <a:fld id="{92BEA474-078D-4E9B-9B14-09A87B19DC46}" type="datetime1">
               <a:rPr lang="en-US" smtClean="0"/>
-              <a:t>12/4/2020</a:t>
+              <a:t>12/7/2020</a:t>
             </a:fld>
             <a:endParaRPr lang="en-US" dirty="0"/>
           </a:p>
@@ -2982,7 +2983,7 @@
           <a:p>
             <a:fld id="{4907D986-8816-4272-A432-0437A28A9828}" type="datetime1">
               <a:rPr lang="en-US" smtClean="0"/>
-              <a:t>12/4/2020</a:t>
+              <a:t>12/7/2020</a:t>
             </a:fld>
             <a:endParaRPr lang="en-US" dirty="0"/>
           </a:p>
@@ -3243,7 +3244,7 @@
           <a:p>
             <a:fld id="{62D6E202-B606-4609-B914-27C9371A1F6D}" type="datetime1">
               <a:rPr lang="en-US" smtClean="0"/>
-              <a:t>12/4/2020</a:t>
+              <a:t>12/7/2020</a:t>
             </a:fld>
             <a:endParaRPr lang="en-US" dirty="0"/>
           </a:p>
@@ -4063,40 +4064,12 @@
           <a:chExt cx="0" cy="0"/>
         </a:xfrm>
       </p:grpSpPr>
-      <p:sp>
-        <p:nvSpPr>
-          <p:cNvPr id="2" name="Title 1">
-            <a:extLst>
-              <a:ext uri="{FF2B5EF4-FFF2-40B4-BE49-F238E27FC236}">
-                <a16:creationId xmlns:a16="http://schemas.microsoft.com/office/drawing/2014/main" id="{9E0DCC20-48B5-469C-A2EE-D65502CAC0E5}"/>
-              </a:ext>
-            </a:extLst>
-          </p:cNvPr>
-          <p:cNvSpPr>
-            <a:spLocks noGrp="1"/>
-          </p:cNvSpPr>
-          <p:nvPr>
-            <p:ph type="title"/>
-          </p:nvPr>
-        </p:nvSpPr>
-        <p:spPr/>
-        <p:txBody>
-          <a:bodyPr/>
-          <a:lstStyle/>
-          <a:p>
-            <a:r>
-              <a:rPr lang="en-US" dirty="0"/>
-              <a:t>Microsoft owned properties</a:t>
-            </a:r>
-          </a:p>
-        </p:txBody>
-      </p:sp>
       <p:pic>
         <p:nvPicPr>
-          <p:cNvPr id="6" name="Content Placeholder 5">
-            <a:extLst>
-              <a:ext uri="{FF2B5EF4-FFF2-40B4-BE49-F238E27FC236}">
-                <a16:creationId xmlns:a16="http://schemas.microsoft.com/office/drawing/2014/main" id="{67578515-2B76-4560-8495-BB972EE03863}"/>
+          <p:cNvPr id="6" name="Picture Placeholder 5">
+            <a:extLst>
+              <a:ext uri="{FF2B5EF4-FFF2-40B4-BE49-F238E27FC236}">
+                <a16:creationId xmlns:a16="http://schemas.microsoft.com/office/drawing/2014/main" id="{AB9D45ED-B14A-42B9-B591-B64673191A76}"/>
               </a:ext>
             </a:extLst>
           </p:cNvPr>
@@ -4104,10 +4077,10 @@
             <a:picLocks noGrp="1" noChangeAspect="1"/>
           </p:cNvPicPr>
           <p:nvPr>
-            <p:ph idx="1"/>
+            <p:ph type="pic" idx="1"/>
           </p:nvPr>
         </p:nvPicPr>
-        <p:blipFill>
+        <p:blipFill rotWithShape="1">
           <a:blip r:embed="rId2">
             <a:extLst>
               <a:ext uri="{28A0092B-C50C-407E-A947-70E740481C1C}">
@@ -4115,23 +4088,55 @@
               </a:ext>
             </a:extLst>
           </a:blip>
-          <a:stretch>
-            <a:fillRect/>
-          </a:stretch>
+          <a:srcRect t="342" b="4699"/>
+          <a:stretch/>
         </p:blipFill>
         <p:spPr>
           <a:xfrm>
-            <a:off x="5113538" y="656947"/>
-            <a:ext cx="6711517" cy="5832629"/>
+            <a:off x="0" y="-41927"/>
+            <a:ext cx="12191985" cy="5450889"/>
           </a:xfrm>
         </p:spPr>
       </p:pic>
       <p:sp>
         <p:nvSpPr>
+          <p:cNvPr id="3" name="Title 2">
+            <a:extLst>
+              <a:ext uri="{FF2B5EF4-FFF2-40B4-BE49-F238E27FC236}">
+                <a16:creationId xmlns:a16="http://schemas.microsoft.com/office/drawing/2014/main" id="{217DAFB6-466E-4356-AE4C-C4264E71103A}"/>
+              </a:ext>
+            </a:extLst>
+          </p:cNvPr>
+          <p:cNvSpPr>
+            <a:spLocks noGrp="1"/>
+          </p:cNvSpPr>
+          <p:nvPr>
+            <p:ph type="title"/>
+          </p:nvPr>
+        </p:nvSpPr>
+        <p:spPr>
+          <a:xfrm>
+            <a:off x="1097279" y="4799362"/>
+            <a:ext cx="10113645" cy="609600"/>
+          </a:xfrm>
+        </p:spPr>
+        <p:txBody>
+          <a:bodyPr/>
+          <a:lstStyle/>
+          <a:p>
+            <a:r>
+              <a:rPr lang="en-US" dirty="0"/>
+              <a:t>  </a:t>
+            </a:r>
+          </a:p>
+        </p:txBody>
+      </p:sp>
+      <p:sp>
+        <p:nvSpPr>
           <p:cNvPr id="4" name="Text Placeholder 3">
             <a:extLst>
               <a:ext uri="{FF2B5EF4-FFF2-40B4-BE49-F238E27FC236}">
-                <a16:creationId xmlns:a16="http://schemas.microsoft.com/office/drawing/2014/main" id="{E6DD5B79-7C1A-4944-818F-812068308ECC}"/>
+                <a16:creationId xmlns:a16="http://schemas.microsoft.com/office/drawing/2014/main" id="{863902BB-08BC-4EA3-A66B-E478C0445CC7}"/>
               </a:ext>
             </a:extLst>
           </p:cNvPr>
@@ -4142,14 +4147,19 @@
             <p:ph type="body" sz="half" idx="2"/>
           </p:nvPr>
         </p:nvSpPr>
-        <p:spPr/>
+        <p:spPr>
+          <a:xfrm>
+            <a:off x="1097279" y="5584054"/>
+            <a:ext cx="10113264" cy="740546"/>
+          </a:xfrm>
+        </p:spPr>
         <p:txBody>
           <a:bodyPr/>
           <a:lstStyle/>
           <a:p>
             <a:r>
               <a:rPr lang="en-US" dirty="0"/>
-              <a:t>This graph shows the revenue of some of Microsoft’s most profitable franchises</a:t>
+              <a:t>4 out of 5 of the Resident Evil movies made more than its predecessor, and all of them made more than the original.</a:t>
             </a:r>
           </a:p>
         </p:txBody>
@@ -4157,7 +4167,7 @@
     </p:spTree>
     <p:extLst>
       <p:ext uri="{BB962C8B-B14F-4D97-AF65-F5344CB8AC3E}">
-        <p14:creationId xmlns:p14="http://schemas.microsoft.com/office/powerpoint/2010/main" val="3468629157"/>
+        <p14:creationId xmlns:p14="http://schemas.microsoft.com/office/powerpoint/2010/main" val="2105763950"/>
       </p:ext>
     </p:extLst>
   </p:cSld>
@@ -4189,7 +4199,7 @@
           <p:cNvPr id="2" name="Title 1">
             <a:extLst>
               <a:ext uri="{FF2B5EF4-FFF2-40B4-BE49-F238E27FC236}">
-                <a16:creationId xmlns:a16="http://schemas.microsoft.com/office/drawing/2014/main" id="{C8A854F4-00A3-4ED9-B530-A4F952E6C15B}"/>
+                <a16:creationId xmlns:a16="http://schemas.microsoft.com/office/drawing/2014/main" id="{9E0DCC20-48B5-469C-A2EE-D65502CAC0E5}"/>
               </a:ext>
             </a:extLst>
           </p:cNvPr>
@@ -4207,96 +4217,70 @@
           <a:p>
             <a:r>
               <a:rPr lang="en-US" dirty="0"/>
-              <a:t>Conclusion:</a:t>
-            </a:r>
-          </a:p>
-        </p:txBody>
-      </p:sp>
-      <p:sp>
-        <p:nvSpPr>
-          <p:cNvPr id="3" name="Content Placeholder 2">
-            <a:extLst>
-              <a:ext uri="{FF2B5EF4-FFF2-40B4-BE49-F238E27FC236}">
-                <a16:creationId xmlns:a16="http://schemas.microsoft.com/office/drawing/2014/main" id="{A9548DE5-5977-4A4B-A444-F3195C5D06FE}"/>
-              </a:ext>
-            </a:extLst>
-          </p:cNvPr>
-          <p:cNvSpPr>
-            <a:spLocks noGrp="1"/>
-          </p:cNvSpPr>
+              <a:t>Microsoft owned properties</a:t>
+            </a:r>
+          </a:p>
+        </p:txBody>
+      </p:sp>
+      <p:pic>
+        <p:nvPicPr>
+          <p:cNvPr id="6" name="Content Placeholder 5">
+            <a:extLst>
+              <a:ext uri="{FF2B5EF4-FFF2-40B4-BE49-F238E27FC236}">
+                <a16:creationId xmlns:a16="http://schemas.microsoft.com/office/drawing/2014/main" id="{67578515-2B76-4560-8495-BB972EE03863}"/>
+              </a:ext>
+            </a:extLst>
+          </p:cNvPr>
+          <p:cNvPicPr>
+            <a:picLocks noGrp="1" noChangeAspect="1"/>
+          </p:cNvPicPr>
           <p:nvPr>
             <p:ph idx="1"/>
           </p:nvPr>
+        </p:nvPicPr>
+        <p:blipFill>
+          <a:blip r:embed="rId2">
+            <a:extLst>
+              <a:ext uri="{28A0092B-C50C-407E-A947-70E740481C1C}">
+                <a14:useLocalDpi xmlns:a14="http://schemas.microsoft.com/office/drawing/2010/main" val="0"/>
+              </a:ext>
+            </a:extLst>
+          </a:blip>
+          <a:stretch>
+            <a:fillRect/>
+          </a:stretch>
+        </p:blipFill>
+        <p:spPr>
+          <a:xfrm>
+            <a:off x="5113538" y="656947"/>
+            <a:ext cx="6711517" cy="5832629"/>
+          </a:xfrm>
+        </p:spPr>
+      </p:pic>
+      <p:sp>
+        <p:nvSpPr>
+          <p:cNvPr id="4" name="Text Placeholder 3">
+            <a:extLst>
+              <a:ext uri="{FF2B5EF4-FFF2-40B4-BE49-F238E27FC236}">
+                <a16:creationId xmlns:a16="http://schemas.microsoft.com/office/drawing/2014/main" id="{E6DD5B79-7C1A-4944-818F-812068308ECC}"/>
+              </a:ext>
+            </a:extLst>
+          </p:cNvPr>
+          <p:cNvSpPr>
+            <a:spLocks noGrp="1"/>
+          </p:cNvSpPr>
+          <p:nvPr>
+            <p:ph type="body" sz="half" idx="2"/>
+          </p:nvPr>
         </p:nvSpPr>
         <p:spPr/>
         <p:txBody>
-          <a:bodyPr>
-            <a:normAutofit/>
-          </a:bodyPr>
-          <a:lstStyle/>
-          <a:p>
-            <a:pPr lvl="2">
-              <a:buFont typeface="Arial" panose="020B0604020202020204" pitchFamily="34" charset="0"/>
-              <a:buChar char="•"/>
-            </a:pPr>
-            <a:r>
-              <a:rPr lang="en-US" sz="2400" dirty="0"/>
-              <a:t>Sequels (3</a:t>
-            </a:r>
-            <a:r>
-              <a:rPr lang="en-US" sz="2400" baseline="30000" dirty="0"/>
-              <a:t>rd</a:t>
-            </a:r>
-            <a:r>
-              <a:rPr lang="en-US" sz="2400" dirty="0"/>
-              <a:t> or higher) are among the most financially successful movies of all time.</a:t>
-            </a:r>
-          </a:p>
-          <a:p>
-            <a:pPr lvl="2">
-              <a:buFont typeface="Arial" panose="020B0604020202020204" pitchFamily="34" charset="0"/>
-              <a:buChar char="•"/>
-            </a:pPr>
-            <a:r>
-              <a:rPr lang="en-US" sz="2400" dirty="0"/>
-              <a:t>Movies tend to make more money as their series progresses</a:t>
-            </a:r>
-          </a:p>
-          <a:p>
-            <a:pPr lvl="2">
-              <a:buFont typeface="Arial" panose="020B0604020202020204" pitchFamily="34" charset="0"/>
-              <a:buChar char="•"/>
-            </a:pPr>
-            <a:r>
-              <a:rPr lang="en-US" sz="2400" dirty="0"/>
-              <a:t>Microsoft owns some multi-billion dollar franchises they can easily turn into movies</a:t>
-            </a:r>
-          </a:p>
-          <a:p>
-            <a:pPr marL="384048" lvl="2" indent="0">
-              <a:buNone/>
-            </a:pPr>
-            <a:r>
-              <a:rPr lang="en-US" sz="2400" dirty="0"/>
-              <a:t>Further considerations:</a:t>
-            </a:r>
-          </a:p>
-          <a:p>
-            <a:pPr lvl="2"/>
-            <a:r>
-              <a:rPr lang="en-US" sz="2400" dirty="0"/>
-              <a:t>Other movie franchises and how they’ve done with successive movies</a:t>
-            </a:r>
-          </a:p>
-          <a:p>
-            <a:pPr lvl="2"/>
-            <a:r>
-              <a:rPr lang="en-US" sz="2400" dirty="0"/>
-              <a:t>How movies with similar stories have fared against </a:t>
-            </a:r>
-            <a:r>
-              <a:rPr lang="en-US" sz="2400"/>
-              <a:t>each other</a:t>
+          <a:bodyPr/>
+          <a:lstStyle/>
+          <a:p>
+            <a:r>
+              <a:rPr lang="en-US" dirty="0"/>
+              <a:t>This graph shows the revenue of some of Microsoft’s most profitable franchises</a:t>
             </a:r>
           </a:p>
         </p:txBody>
@@ -4304,7 +4288,7 @@
     </p:spTree>
     <p:extLst>
       <p:ext uri="{BB962C8B-B14F-4D97-AF65-F5344CB8AC3E}">
-        <p14:creationId xmlns:p14="http://schemas.microsoft.com/office/powerpoint/2010/main" val="2057814354"/>
+        <p14:creationId xmlns:p14="http://schemas.microsoft.com/office/powerpoint/2010/main" val="3468629157"/>
       </p:ext>
     </p:extLst>
   </p:cSld>
@@ -4336,6 +4320,153 @@
           <p:cNvPr id="2" name="Title 1">
             <a:extLst>
               <a:ext uri="{FF2B5EF4-FFF2-40B4-BE49-F238E27FC236}">
+                <a16:creationId xmlns:a16="http://schemas.microsoft.com/office/drawing/2014/main" id="{C8A854F4-00A3-4ED9-B530-A4F952E6C15B}"/>
+              </a:ext>
+            </a:extLst>
+          </p:cNvPr>
+          <p:cNvSpPr>
+            <a:spLocks noGrp="1"/>
+          </p:cNvSpPr>
+          <p:nvPr>
+            <p:ph type="title"/>
+          </p:nvPr>
+        </p:nvSpPr>
+        <p:spPr/>
+        <p:txBody>
+          <a:bodyPr/>
+          <a:lstStyle/>
+          <a:p>
+            <a:r>
+              <a:rPr lang="en-US" dirty="0"/>
+              <a:t>Conclusion:</a:t>
+            </a:r>
+          </a:p>
+        </p:txBody>
+      </p:sp>
+      <p:sp>
+        <p:nvSpPr>
+          <p:cNvPr id="3" name="Content Placeholder 2">
+            <a:extLst>
+              <a:ext uri="{FF2B5EF4-FFF2-40B4-BE49-F238E27FC236}">
+                <a16:creationId xmlns:a16="http://schemas.microsoft.com/office/drawing/2014/main" id="{A9548DE5-5977-4A4B-A444-F3195C5D06FE}"/>
+              </a:ext>
+            </a:extLst>
+          </p:cNvPr>
+          <p:cNvSpPr>
+            <a:spLocks noGrp="1"/>
+          </p:cNvSpPr>
+          <p:nvPr>
+            <p:ph idx="1"/>
+          </p:nvPr>
+        </p:nvSpPr>
+        <p:spPr/>
+        <p:txBody>
+          <a:bodyPr>
+            <a:normAutofit/>
+          </a:bodyPr>
+          <a:lstStyle/>
+          <a:p>
+            <a:pPr lvl="2">
+              <a:buFont typeface="Arial" panose="020B0604020202020204" pitchFamily="34" charset="0"/>
+              <a:buChar char="•"/>
+            </a:pPr>
+            <a:r>
+              <a:rPr lang="en-US" sz="2400" dirty="0"/>
+              <a:t>Sequels (3</a:t>
+            </a:r>
+            <a:r>
+              <a:rPr lang="en-US" sz="2400" baseline="30000" dirty="0"/>
+              <a:t>rd</a:t>
+            </a:r>
+            <a:r>
+              <a:rPr lang="en-US" sz="2400" dirty="0"/>
+              <a:t> or higher) are among the most financially successful movies of all time.</a:t>
+            </a:r>
+          </a:p>
+          <a:p>
+            <a:pPr lvl="2">
+              <a:buFont typeface="Arial" panose="020B0604020202020204" pitchFamily="34" charset="0"/>
+              <a:buChar char="•"/>
+            </a:pPr>
+            <a:r>
+              <a:rPr lang="en-US" sz="2400" dirty="0"/>
+              <a:t>Movies tend to make more money as their series progresses</a:t>
+            </a:r>
+          </a:p>
+          <a:p>
+            <a:pPr lvl="2">
+              <a:buFont typeface="Arial" panose="020B0604020202020204" pitchFamily="34" charset="0"/>
+              <a:buChar char="•"/>
+            </a:pPr>
+            <a:r>
+              <a:rPr lang="en-US" sz="2400" dirty="0"/>
+              <a:t>Microsoft owns some multi-billion dollar franchises they can easily turn into movies</a:t>
+            </a:r>
+          </a:p>
+          <a:p>
+            <a:pPr marL="384048" lvl="2" indent="0">
+              <a:buNone/>
+            </a:pPr>
+            <a:r>
+              <a:rPr lang="en-US" sz="2400" dirty="0"/>
+              <a:t>Further considerations:</a:t>
+            </a:r>
+          </a:p>
+          <a:p>
+            <a:pPr lvl="2"/>
+            <a:r>
+              <a:rPr lang="en-US" sz="2400" dirty="0"/>
+              <a:t>Other movie franchises and how they’ve done with successive movies</a:t>
+            </a:r>
+          </a:p>
+          <a:p>
+            <a:pPr lvl="2"/>
+            <a:r>
+              <a:rPr lang="en-US" sz="2400" dirty="0"/>
+              <a:t>How movies with similar stories have fared against </a:t>
+            </a:r>
+            <a:r>
+              <a:rPr lang="en-US" sz="2400"/>
+              <a:t>each other</a:t>
+            </a:r>
+          </a:p>
+        </p:txBody>
+      </p:sp>
+    </p:spTree>
+    <p:extLst>
+      <p:ext uri="{BB962C8B-B14F-4D97-AF65-F5344CB8AC3E}">
+        <p14:creationId xmlns:p14="http://schemas.microsoft.com/office/powerpoint/2010/main" val="2057814354"/>
+      </p:ext>
+    </p:extLst>
+  </p:cSld>
+  <p:clrMapOvr>
+    <a:masterClrMapping/>
+  </p:clrMapOvr>
+</p:sld>
+</file>
+
+<file path=ppt/slides/slide13.xml><?xml version="1.0" encoding="utf-8"?>
+<p:sld xmlns:a="http://schemas.openxmlformats.org/drawingml/2006/main" xmlns:r="http://schemas.openxmlformats.org/officeDocument/2006/relationships" xmlns:p="http://schemas.openxmlformats.org/presentationml/2006/main">
+  <p:cSld>
+    <p:spTree>
+      <p:nvGrpSpPr>
+        <p:cNvPr id="1" name=""/>
+        <p:cNvGrpSpPr/>
+        <p:nvPr/>
+      </p:nvGrpSpPr>
+      <p:grpSpPr>
+        <a:xfrm>
+          <a:off x="0" y="0"/>
+          <a:ext cx="0" cy="0"/>
+          <a:chOff x="0" y="0"/>
+          <a:chExt cx="0" cy="0"/>
+        </a:xfrm>
+      </p:grpSpPr>
+      <p:sp>
+        <p:nvSpPr>
+          <p:cNvPr id="2" name="Title 1">
+            <a:extLst>
+              <a:ext uri="{FF2B5EF4-FFF2-40B4-BE49-F238E27FC236}">
                 <a16:creationId xmlns:a16="http://schemas.microsoft.com/office/drawing/2014/main" id="{5F0FCDB2-82AB-4717-B626-8AD3BF8BD2B8}"/>
               </a:ext>
             </a:extLst>
@@ -4388,6 +4519,16 @@
             <a:r>
               <a:rPr lang="en-US" dirty="0"/>
               <a:t>Questions?</a:t>
+            </a:r>
+          </a:p>
+          <a:p>
+            <a:r>
+              <a:rPr lang="en-US" dirty="0"/>
+              <a:t>	</a:t>
+            </a:r>
+            <a:r>
+              <a:rPr lang="en-US" sz="1400" dirty="0"/>
+              <a:t>djournice@gmail.com</a:t>
             </a:r>
           </a:p>
         </p:txBody>
@@ -4929,6 +5070,512 @@
           </a:p>
         </p:txBody>
       </p:sp>
+      <p:sp>
+        <p:nvSpPr>
+          <p:cNvPr id="2" name="Arrow: Right 1">
+            <a:extLst>
+              <a:ext uri="{FF2B5EF4-FFF2-40B4-BE49-F238E27FC236}">
+                <a16:creationId xmlns:a16="http://schemas.microsoft.com/office/drawing/2014/main" id="{409957F5-BACB-416B-A874-3CB46DE33373}"/>
+              </a:ext>
+            </a:extLst>
+          </p:cNvPr>
+          <p:cNvSpPr/>
+          <p:nvPr/>
+        </p:nvSpPr>
+        <p:spPr>
+          <a:xfrm>
+            <a:off x="1793289" y="466817"/>
+            <a:ext cx="266330" cy="133165"/>
+          </a:xfrm>
+          <a:prstGeom prst="rightArrow">
+            <a:avLst/>
+          </a:prstGeom>
+        </p:spPr>
+        <p:style>
+          <a:lnRef idx="2">
+            <a:schemeClr val="accent6">
+              <a:shade val="50000"/>
+            </a:schemeClr>
+          </a:lnRef>
+          <a:fillRef idx="1">
+            <a:schemeClr val="accent6"/>
+          </a:fillRef>
+          <a:effectRef idx="0">
+            <a:schemeClr val="accent6"/>
+          </a:effectRef>
+          <a:fontRef idx="minor">
+            <a:schemeClr val="lt1"/>
+          </a:fontRef>
+        </p:style>
+        <p:txBody>
+          <a:bodyPr rtlCol="0" anchor="ctr"/>
+          <a:lstStyle/>
+          <a:p>
+            <a:pPr algn="ctr"/>
+            <a:endParaRPr lang="en-US"/>
+          </a:p>
+        </p:txBody>
+      </p:sp>
+      <p:sp>
+        <p:nvSpPr>
+          <p:cNvPr id="7" name="Arrow: Right 6">
+            <a:extLst>
+              <a:ext uri="{FF2B5EF4-FFF2-40B4-BE49-F238E27FC236}">
+                <a16:creationId xmlns:a16="http://schemas.microsoft.com/office/drawing/2014/main" id="{3DE469F9-429C-4B7B-860E-08FD83602654}"/>
+              </a:ext>
+            </a:extLst>
+          </p:cNvPr>
+          <p:cNvSpPr/>
+          <p:nvPr/>
+        </p:nvSpPr>
+        <p:spPr>
+          <a:xfrm>
+            <a:off x="964114" y="1181791"/>
+            <a:ext cx="266330" cy="133165"/>
+          </a:xfrm>
+          <a:prstGeom prst="rightArrow">
+            <a:avLst/>
+          </a:prstGeom>
+        </p:spPr>
+        <p:style>
+          <a:lnRef idx="2">
+            <a:schemeClr val="accent6">
+              <a:shade val="50000"/>
+            </a:schemeClr>
+          </a:lnRef>
+          <a:fillRef idx="1">
+            <a:schemeClr val="accent6"/>
+          </a:fillRef>
+          <a:effectRef idx="0">
+            <a:schemeClr val="accent6"/>
+          </a:effectRef>
+          <a:fontRef idx="minor">
+            <a:schemeClr val="lt1"/>
+          </a:fontRef>
+        </p:style>
+        <p:txBody>
+          <a:bodyPr rtlCol="0" anchor="ctr"/>
+          <a:lstStyle/>
+          <a:p>
+            <a:pPr algn="ctr"/>
+            <a:endParaRPr lang="en-US"/>
+          </a:p>
+        </p:txBody>
+      </p:sp>
+      <p:sp>
+        <p:nvSpPr>
+          <p:cNvPr id="8" name="Arrow: Right 7">
+            <a:extLst>
+              <a:ext uri="{FF2B5EF4-FFF2-40B4-BE49-F238E27FC236}">
+                <a16:creationId xmlns:a16="http://schemas.microsoft.com/office/drawing/2014/main" id="{D10DE2CD-3502-45B8-B268-9AD56BD9E614}"/>
+              </a:ext>
+            </a:extLst>
+          </p:cNvPr>
+          <p:cNvSpPr/>
+          <p:nvPr/>
+        </p:nvSpPr>
+        <p:spPr>
+          <a:xfrm>
+            <a:off x="1651246" y="1453718"/>
+            <a:ext cx="266330" cy="133165"/>
+          </a:xfrm>
+          <a:prstGeom prst="rightArrow">
+            <a:avLst/>
+          </a:prstGeom>
+        </p:spPr>
+        <p:style>
+          <a:lnRef idx="2">
+            <a:schemeClr val="accent6">
+              <a:shade val="50000"/>
+            </a:schemeClr>
+          </a:lnRef>
+          <a:fillRef idx="1">
+            <a:schemeClr val="accent6"/>
+          </a:fillRef>
+          <a:effectRef idx="0">
+            <a:schemeClr val="accent6"/>
+          </a:effectRef>
+          <a:fontRef idx="minor">
+            <a:schemeClr val="lt1"/>
+          </a:fontRef>
+        </p:style>
+        <p:txBody>
+          <a:bodyPr rtlCol="0" anchor="ctr"/>
+          <a:lstStyle/>
+          <a:p>
+            <a:pPr algn="ctr"/>
+            <a:endParaRPr lang="en-US"/>
+          </a:p>
+        </p:txBody>
+      </p:sp>
+      <p:sp>
+        <p:nvSpPr>
+          <p:cNvPr id="9" name="Arrow: Right 8">
+            <a:extLst>
+              <a:ext uri="{FF2B5EF4-FFF2-40B4-BE49-F238E27FC236}">
+                <a16:creationId xmlns:a16="http://schemas.microsoft.com/office/drawing/2014/main" id="{4774A1BC-5936-412C-A94D-E9ED73E6A99C}"/>
+              </a:ext>
+            </a:extLst>
+          </p:cNvPr>
+          <p:cNvSpPr/>
+          <p:nvPr/>
+        </p:nvSpPr>
+        <p:spPr>
+          <a:xfrm>
+            <a:off x="2203141" y="1720048"/>
+            <a:ext cx="266330" cy="133165"/>
+          </a:xfrm>
+          <a:prstGeom prst="rightArrow">
+            <a:avLst/>
+          </a:prstGeom>
+        </p:spPr>
+        <p:style>
+          <a:lnRef idx="2">
+            <a:schemeClr val="accent6">
+              <a:shade val="50000"/>
+            </a:schemeClr>
+          </a:lnRef>
+          <a:fillRef idx="1">
+            <a:schemeClr val="accent6"/>
+          </a:fillRef>
+          <a:effectRef idx="0">
+            <a:schemeClr val="accent6"/>
+          </a:effectRef>
+          <a:fontRef idx="minor">
+            <a:schemeClr val="lt1"/>
+          </a:fontRef>
+        </p:style>
+        <p:txBody>
+          <a:bodyPr rtlCol="0" anchor="ctr"/>
+          <a:lstStyle/>
+          <a:p>
+            <a:pPr algn="ctr"/>
+            <a:endParaRPr lang="en-US"/>
+          </a:p>
+        </p:txBody>
+      </p:sp>
+      <p:sp>
+        <p:nvSpPr>
+          <p:cNvPr id="10" name="Arrow: Right 9">
+            <a:extLst>
+              <a:ext uri="{FF2B5EF4-FFF2-40B4-BE49-F238E27FC236}">
+                <a16:creationId xmlns:a16="http://schemas.microsoft.com/office/drawing/2014/main" id="{1807814D-AFDA-4B59-80CC-E9CE31465D82}"/>
+              </a:ext>
+            </a:extLst>
+          </p:cNvPr>
+          <p:cNvSpPr/>
+          <p:nvPr/>
+        </p:nvSpPr>
+        <p:spPr>
+          <a:xfrm>
+            <a:off x="2203141" y="2197262"/>
+            <a:ext cx="266330" cy="133165"/>
+          </a:xfrm>
+          <a:prstGeom prst="rightArrow">
+            <a:avLst/>
+          </a:prstGeom>
+        </p:spPr>
+        <p:style>
+          <a:lnRef idx="2">
+            <a:schemeClr val="accent6">
+              <a:shade val="50000"/>
+            </a:schemeClr>
+          </a:lnRef>
+          <a:fillRef idx="1">
+            <a:schemeClr val="accent6"/>
+          </a:fillRef>
+          <a:effectRef idx="0">
+            <a:schemeClr val="accent6"/>
+          </a:effectRef>
+          <a:fontRef idx="minor">
+            <a:schemeClr val="lt1"/>
+          </a:fontRef>
+        </p:style>
+        <p:txBody>
+          <a:bodyPr rtlCol="0" anchor="ctr"/>
+          <a:lstStyle/>
+          <a:p>
+            <a:pPr algn="ctr"/>
+            <a:endParaRPr lang="en-US"/>
+          </a:p>
+        </p:txBody>
+      </p:sp>
+      <p:sp>
+        <p:nvSpPr>
+          <p:cNvPr id="11" name="Arrow: Right 10">
+            <a:extLst>
+              <a:ext uri="{FF2B5EF4-FFF2-40B4-BE49-F238E27FC236}">
+                <a16:creationId xmlns:a16="http://schemas.microsoft.com/office/drawing/2014/main" id="{D8B326BC-0B2E-44E7-AA8C-24F47C160D3F}"/>
+              </a:ext>
+            </a:extLst>
+          </p:cNvPr>
+          <p:cNvSpPr/>
+          <p:nvPr/>
+        </p:nvSpPr>
+        <p:spPr>
+          <a:xfrm>
+            <a:off x="2469471" y="2435800"/>
+            <a:ext cx="266330" cy="133165"/>
+          </a:xfrm>
+          <a:prstGeom prst="rightArrow">
+            <a:avLst/>
+          </a:prstGeom>
+        </p:spPr>
+        <p:style>
+          <a:lnRef idx="2">
+            <a:schemeClr val="accent6">
+              <a:shade val="50000"/>
+            </a:schemeClr>
+          </a:lnRef>
+          <a:fillRef idx="1">
+            <a:schemeClr val="accent6"/>
+          </a:fillRef>
+          <a:effectRef idx="0">
+            <a:schemeClr val="accent6"/>
+          </a:effectRef>
+          <a:fontRef idx="minor">
+            <a:schemeClr val="lt1"/>
+          </a:fontRef>
+        </p:style>
+        <p:txBody>
+          <a:bodyPr rtlCol="0" anchor="ctr"/>
+          <a:lstStyle/>
+          <a:p>
+            <a:pPr algn="ctr"/>
+            <a:endParaRPr lang="en-US"/>
+          </a:p>
+        </p:txBody>
+      </p:sp>
+      <p:sp>
+        <p:nvSpPr>
+          <p:cNvPr id="12" name="Arrow: Right 11">
+            <a:extLst>
+              <a:ext uri="{FF2B5EF4-FFF2-40B4-BE49-F238E27FC236}">
+                <a16:creationId xmlns:a16="http://schemas.microsoft.com/office/drawing/2014/main" id="{3F9A09C5-515A-40C0-AA00-DEC1F71725EF}"/>
+              </a:ext>
+            </a:extLst>
+          </p:cNvPr>
+          <p:cNvSpPr/>
+          <p:nvPr/>
+        </p:nvSpPr>
+        <p:spPr>
+          <a:xfrm>
+            <a:off x="2469471" y="2695652"/>
+            <a:ext cx="266330" cy="133165"/>
+          </a:xfrm>
+          <a:prstGeom prst="rightArrow">
+            <a:avLst/>
+          </a:prstGeom>
+        </p:spPr>
+        <p:style>
+          <a:lnRef idx="2">
+            <a:schemeClr val="accent6">
+              <a:shade val="50000"/>
+            </a:schemeClr>
+          </a:lnRef>
+          <a:fillRef idx="1">
+            <a:schemeClr val="accent6"/>
+          </a:fillRef>
+          <a:effectRef idx="0">
+            <a:schemeClr val="accent6"/>
+          </a:effectRef>
+          <a:fontRef idx="minor">
+            <a:schemeClr val="lt1"/>
+          </a:fontRef>
+        </p:style>
+        <p:txBody>
+          <a:bodyPr rtlCol="0" anchor="ctr"/>
+          <a:lstStyle/>
+          <a:p>
+            <a:pPr algn="ctr"/>
+            <a:endParaRPr lang="en-US"/>
+          </a:p>
+        </p:txBody>
+      </p:sp>
+      <p:sp>
+        <p:nvSpPr>
+          <p:cNvPr id="13" name="Arrow: Right 12">
+            <a:extLst>
+              <a:ext uri="{FF2B5EF4-FFF2-40B4-BE49-F238E27FC236}">
+                <a16:creationId xmlns:a16="http://schemas.microsoft.com/office/drawing/2014/main" id="{E8CC6224-0D2A-469E-8977-421FE1561C81}"/>
+              </a:ext>
+            </a:extLst>
+          </p:cNvPr>
+          <p:cNvSpPr/>
+          <p:nvPr/>
+        </p:nvSpPr>
+        <p:spPr>
+          <a:xfrm>
+            <a:off x="1518081" y="2973979"/>
+            <a:ext cx="266330" cy="133165"/>
+          </a:xfrm>
+          <a:prstGeom prst="rightArrow">
+            <a:avLst/>
+          </a:prstGeom>
+        </p:spPr>
+        <p:style>
+          <a:lnRef idx="2">
+            <a:schemeClr val="accent6">
+              <a:shade val="50000"/>
+            </a:schemeClr>
+          </a:lnRef>
+          <a:fillRef idx="1">
+            <a:schemeClr val="accent6"/>
+          </a:fillRef>
+          <a:effectRef idx="0">
+            <a:schemeClr val="accent6"/>
+          </a:effectRef>
+          <a:fontRef idx="minor">
+            <a:schemeClr val="lt1"/>
+          </a:fontRef>
+        </p:style>
+        <p:txBody>
+          <a:bodyPr rtlCol="0" anchor="ctr"/>
+          <a:lstStyle/>
+          <a:p>
+            <a:pPr algn="ctr"/>
+            <a:endParaRPr lang="en-US"/>
+          </a:p>
+        </p:txBody>
+      </p:sp>
+      <p:sp>
+        <p:nvSpPr>
+          <p:cNvPr id="14" name="Arrow: Right 13">
+            <a:extLst>
+              <a:ext uri="{FF2B5EF4-FFF2-40B4-BE49-F238E27FC236}">
+                <a16:creationId xmlns:a16="http://schemas.microsoft.com/office/drawing/2014/main" id="{51995A87-8745-4211-9F22-5BA30C05E76A}"/>
+              </a:ext>
+            </a:extLst>
+          </p:cNvPr>
+          <p:cNvSpPr/>
+          <p:nvPr/>
+        </p:nvSpPr>
+        <p:spPr>
+          <a:xfrm>
+            <a:off x="0" y="3429000"/>
+            <a:ext cx="266330" cy="133165"/>
+          </a:xfrm>
+          <a:prstGeom prst="rightArrow">
+            <a:avLst/>
+          </a:prstGeom>
+        </p:spPr>
+        <p:style>
+          <a:lnRef idx="2">
+            <a:schemeClr val="accent6">
+              <a:shade val="50000"/>
+            </a:schemeClr>
+          </a:lnRef>
+          <a:fillRef idx="1">
+            <a:schemeClr val="accent6"/>
+          </a:fillRef>
+          <a:effectRef idx="0">
+            <a:schemeClr val="accent6"/>
+          </a:effectRef>
+          <a:fontRef idx="minor">
+            <a:schemeClr val="lt1"/>
+          </a:fontRef>
+        </p:style>
+        <p:txBody>
+          <a:bodyPr rtlCol="0" anchor="ctr"/>
+          <a:lstStyle/>
+          <a:p>
+            <a:pPr algn="ctr"/>
+            <a:endParaRPr lang="en-US"/>
+          </a:p>
+        </p:txBody>
+      </p:sp>
+      <p:sp>
+        <p:nvSpPr>
+          <p:cNvPr id="15" name="Arrow: Right 14">
+            <a:extLst>
+              <a:ext uri="{FF2B5EF4-FFF2-40B4-BE49-F238E27FC236}">
+                <a16:creationId xmlns:a16="http://schemas.microsoft.com/office/drawing/2014/main" id="{9E26932C-131B-4B40-9F36-4E72C82D7886}"/>
+              </a:ext>
+            </a:extLst>
+          </p:cNvPr>
+          <p:cNvSpPr/>
+          <p:nvPr/>
+        </p:nvSpPr>
+        <p:spPr>
+          <a:xfrm>
+            <a:off x="1402671" y="3684274"/>
+            <a:ext cx="266330" cy="133165"/>
+          </a:xfrm>
+          <a:prstGeom prst="rightArrow">
+            <a:avLst/>
+          </a:prstGeom>
+        </p:spPr>
+        <p:style>
+          <a:lnRef idx="2">
+            <a:schemeClr val="accent6">
+              <a:shade val="50000"/>
+            </a:schemeClr>
+          </a:lnRef>
+          <a:fillRef idx="1">
+            <a:schemeClr val="accent6"/>
+          </a:fillRef>
+          <a:effectRef idx="0">
+            <a:schemeClr val="accent6"/>
+          </a:effectRef>
+          <a:fontRef idx="minor">
+            <a:schemeClr val="lt1"/>
+          </a:fontRef>
+        </p:style>
+        <p:txBody>
+          <a:bodyPr rtlCol="0" anchor="ctr"/>
+          <a:lstStyle/>
+          <a:p>
+            <a:pPr algn="ctr"/>
+            <a:endParaRPr lang="en-US"/>
+          </a:p>
+        </p:txBody>
+      </p:sp>
+      <p:sp>
+        <p:nvSpPr>
+          <p:cNvPr id="16" name="Arrow: Right 15">
+            <a:extLst>
+              <a:ext uri="{FF2B5EF4-FFF2-40B4-BE49-F238E27FC236}">
+                <a16:creationId xmlns:a16="http://schemas.microsoft.com/office/drawing/2014/main" id="{58C76CDE-C375-4996-BB8C-2347B07CB351}"/>
+              </a:ext>
+            </a:extLst>
+          </p:cNvPr>
+          <p:cNvSpPr/>
+          <p:nvPr/>
+        </p:nvSpPr>
+        <p:spPr>
+          <a:xfrm>
+            <a:off x="964114" y="3948343"/>
+            <a:ext cx="266330" cy="133165"/>
+          </a:xfrm>
+          <a:prstGeom prst="rightArrow">
+            <a:avLst/>
+          </a:prstGeom>
+        </p:spPr>
+        <p:style>
+          <a:lnRef idx="2">
+            <a:schemeClr val="accent6">
+              <a:shade val="50000"/>
+            </a:schemeClr>
+          </a:lnRef>
+          <a:fillRef idx="1">
+            <a:schemeClr val="accent6"/>
+          </a:fillRef>
+          <a:effectRef idx="0">
+            <a:schemeClr val="accent6"/>
+          </a:effectRef>
+          <a:fontRef idx="minor">
+            <a:schemeClr val="lt1"/>
+          </a:fontRef>
+        </p:style>
+        <p:txBody>
+          <a:bodyPr rtlCol="0" anchor="ctr"/>
+          <a:lstStyle/>
+          <a:p>
+            <a:pPr algn="ctr"/>
+            <a:endParaRPr lang="en-US"/>
+          </a:p>
+        </p:txBody>
+      </p:sp>
     </p:spTree>
     <p:extLst>
       <p:ext uri="{BB962C8B-B14F-4D97-AF65-F5344CB8AC3E}">
@@ -5049,6 +5696,52 @@
           </a:p>
         </p:txBody>
       </p:sp>
+      <p:sp>
+        <p:nvSpPr>
+          <p:cNvPr id="2" name="Arrow: Right 1">
+            <a:extLst>
+              <a:ext uri="{FF2B5EF4-FFF2-40B4-BE49-F238E27FC236}">
+                <a16:creationId xmlns:a16="http://schemas.microsoft.com/office/drawing/2014/main" id="{117E4D75-785A-476A-B834-4F542F4ED5A8}"/>
+              </a:ext>
+            </a:extLst>
+          </p:cNvPr>
+          <p:cNvSpPr/>
+          <p:nvPr/>
+        </p:nvSpPr>
+        <p:spPr>
+          <a:xfrm>
+            <a:off x="928603" y="3826276"/>
+            <a:ext cx="337351" cy="159798"/>
+          </a:xfrm>
+          <a:prstGeom prst="rightArrow">
+            <a:avLst/>
+          </a:prstGeom>
+        </p:spPr>
+        <p:style>
+          <a:lnRef idx="2">
+            <a:schemeClr val="accent3">
+              <a:shade val="50000"/>
+            </a:schemeClr>
+          </a:lnRef>
+          <a:fillRef idx="1">
+            <a:schemeClr val="accent3"/>
+          </a:fillRef>
+          <a:effectRef idx="0">
+            <a:schemeClr val="accent3"/>
+          </a:effectRef>
+          <a:fontRef idx="minor">
+            <a:schemeClr val="lt1"/>
+          </a:fontRef>
+        </p:style>
+        <p:txBody>
+          <a:bodyPr rtlCol="0" anchor="ctr"/>
+          <a:lstStyle/>
+          <a:p>
+            <a:pPr algn="ctr"/>
+            <a:endParaRPr lang="en-US"/>
+          </a:p>
+        </p:txBody>
+      </p:sp>
     </p:spTree>
     <p:extLst>
       <p:ext uri="{BB962C8B-B14F-4D97-AF65-F5344CB8AC3E}">
@@ -5079,12 +5772,47 @@
           <a:chExt cx="0" cy="0"/>
         </a:xfrm>
       </p:grpSpPr>
+      <p:sp>
+        <p:nvSpPr>
+          <p:cNvPr id="2" name="Title 1">
+            <a:extLst>
+              <a:ext uri="{FF2B5EF4-FFF2-40B4-BE49-F238E27FC236}">
+                <a16:creationId xmlns:a16="http://schemas.microsoft.com/office/drawing/2014/main" id="{2E4272D9-62AA-46AD-8A4B-B47CE3D986DE}"/>
+              </a:ext>
+            </a:extLst>
+          </p:cNvPr>
+          <p:cNvSpPr>
+            <a:spLocks noGrp="1"/>
+          </p:cNvSpPr>
+          <p:nvPr>
+            <p:ph type="title"/>
+          </p:nvPr>
+        </p:nvSpPr>
+        <p:spPr>
+          <a:xfrm>
+            <a:off x="1097280" y="286603"/>
+            <a:ext cx="10058400" cy="702305"/>
+          </a:xfrm>
+        </p:spPr>
+        <p:txBody>
+          <a:bodyPr>
+            <a:normAutofit fontScale="90000"/>
+          </a:bodyPr>
+          <a:lstStyle/>
+          <a:p>
+            <a:r>
+              <a:rPr lang="en-US" dirty="0"/>
+              <a:t>Gross per movie by genre</a:t>
+            </a:r>
+          </a:p>
+        </p:txBody>
+      </p:sp>
       <p:pic>
         <p:nvPicPr>
-          <p:cNvPr id="6" name="Picture Placeholder 5">
-            <a:extLst>
-              <a:ext uri="{FF2B5EF4-FFF2-40B4-BE49-F238E27FC236}">
-                <a16:creationId xmlns:a16="http://schemas.microsoft.com/office/drawing/2014/main" id="{A4A3637F-8BD7-442A-BD0D-14DB51C20863}"/>
+          <p:cNvPr id="5" name="Content Placeholder 4">
+            <a:extLst>
+              <a:ext uri="{FF2B5EF4-FFF2-40B4-BE49-F238E27FC236}">
+                <a16:creationId xmlns:a16="http://schemas.microsoft.com/office/drawing/2014/main" id="{C12909FF-37F8-4B80-A9C5-F95A468274B8}"/>
               </a:ext>
             </a:extLst>
           </p:cNvPr>
@@ -5092,7 +5820,7 @@
             <a:picLocks noGrp="1" noChangeAspect="1"/>
           </p:cNvPicPr>
           <p:nvPr>
-            <p:ph type="pic" idx="1"/>
+            <p:ph idx="1"/>
           </p:nvPr>
         </p:nvPicPr>
         <p:blipFill>
@@ -5103,96 +5831,21 @@
               </a:ext>
             </a:extLst>
           </a:blip>
-          <a:srcRect t="2613" b="2613"/>
           <a:stretch>
             <a:fillRect/>
           </a:stretch>
         </p:blipFill>
         <p:spPr>
           <a:xfrm>
-            <a:off x="0" y="221012"/>
-            <a:ext cx="12191985" cy="4578350"/>
+            <a:off x="1321753" y="1216241"/>
+            <a:ext cx="9608820" cy="4556227"/>
           </a:xfrm>
         </p:spPr>
       </p:pic>
-      <p:sp>
-        <p:nvSpPr>
-          <p:cNvPr id="3" name="Title 2">
-            <a:extLst>
-              <a:ext uri="{FF2B5EF4-FFF2-40B4-BE49-F238E27FC236}">
-                <a16:creationId xmlns:a16="http://schemas.microsoft.com/office/drawing/2014/main" id="{C2AC46B6-4AE5-490B-A03A-F3A226481AA5}"/>
-              </a:ext>
-            </a:extLst>
-          </p:cNvPr>
-          <p:cNvSpPr>
-            <a:spLocks noGrp="1"/>
-          </p:cNvSpPr>
-          <p:nvPr>
-            <p:ph type="title"/>
-          </p:nvPr>
-        </p:nvSpPr>
-        <p:spPr>
-          <a:xfrm>
-            <a:off x="1097279" y="4799362"/>
-            <a:ext cx="10113645" cy="304368"/>
-          </a:xfrm>
-        </p:spPr>
-        <p:txBody>
-          <a:bodyPr/>
-          <a:lstStyle/>
-          <a:p>
-            <a:r>
-              <a:rPr lang="en-US" dirty="0"/>
-              <a:t>     </a:t>
-            </a:r>
-          </a:p>
-        </p:txBody>
-      </p:sp>
-      <p:sp>
-        <p:nvSpPr>
-          <p:cNvPr id="4" name="Text Placeholder 3">
-            <a:extLst>
-              <a:ext uri="{FF2B5EF4-FFF2-40B4-BE49-F238E27FC236}">
-                <a16:creationId xmlns:a16="http://schemas.microsoft.com/office/drawing/2014/main" id="{4E75C16D-260D-4E82-B826-A0EA437F17B6}"/>
-              </a:ext>
-            </a:extLst>
-          </p:cNvPr>
-          <p:cNvSpPr>
-            <a:spLocks noGrp="1"/>
-          </p:cNvSpPr>
-          <p:nvPr>
-            <p:ph type="body" sz="half" idx="2"/>
-          </p:nvPr>
-        </p:nvSpPr>
-        <p:spPr>
-          <a:xfrm>
-            <a:off x="1097279" y="5103730"/>
-            <a:ext cx="10113264" cy="1220870"/>
-          </a:xfrm>
-        </p:spPr>
-        <p:txBody>
-          <a:bodyPr/>
-          <a:lstStyle/>
-          <a:p>
-            <a:r>
-              <a:rPr lang="en-US" dirty="0"/>
-              <a:t>The highest grossing sequels of all time. Only 2 of them are the first sequel, the rest are at least the 3</a:t>
-            </a:r>
-            <a:r>
-              <a:rPr lang="en-US" baseline="30000" dirty="0"/>
-              <a:t>rd</a:t>
-            </a:r>
-            <a:r>
-              <a:rPr lang="en-US" dirty="0"/>
-              <a:t> in the series.</a:t>
-            </a:r>
-          </a:p>
-        </p:txBody>
-      </p:sp>
     </p:spTree>
     <p:extLst>
       <p:ext uri="{BB962C8B-B14F-4D97-AF65-F5344CB8AC3E}">
-        <p14:creationId xmlns:p14="http://schemas.microsoft.com/office/powerpoint/2010/main" val="2079611029"/>
+        <p14:creationId xmlns:p14="http://schemas.microsoft.com/office/powerpoint/2010/main" val="1366791376"/>
       </p:ext>
     </p:extLst>
   </p:cSld>
@@ -5224,7 +5877,7 @@
           <p:cNvPr id="6" name="Picture Placeholder 5">
             <a:extLst>
               <a:ext uri="{FF2B5EF4-FFF2-40B4-BE49-F238E27FC236}">
-                <a16:creationId xmlns:a16="http://schemas.microsoft.com/office/drawing/2014/main" id="{8B14AB68-874F-4685-8961-35F0366A7A0C}"/>
+                <a16:creationId xmlns:a16="http://schemas.microsoft.com/office/drawing/2014/main" id="{A4A3637F-8BD7-442A-BD0D-14DB51C20863}"/>
               </a:ext>
             </a:extLst>
           </p:cNvPr>
@@ -5235,7 +5888,7 @@
             <p:ph type="pic" idx="1"/>
           </p:nvPr>
         </p:nvPicPr>
-        <p:blipFill rotWithShape="1">
+        <p:blipFill>
           <a:blip r:embed="rId2">
             <a:extLst>
               <a:ext uri="{28A0092B-C50C-407E-A947-70E740481C1C}">
@@ -5243,13 +5896,15 @@
               </a:ext>
             </a:extLst>
           </a:blip>
-          <a:srcRect t="936" b="429"/>
-          <a:stretch/>
+          <a:srcRect t="2613" b="2613"/>
+          <a:stretch>
+            <a:fillRect/>
+          </a:stretch>
         </p:blipFill>
         <p:spPr>
           <a:xfrm>
-            <a:off x="0" y="0"/>
-            <a:ext cx="12191985" cy="4994671"/>
+            <a:off x="0" y="221012"/>
+            <a:ext cx="12191985" cy="4578350"/>
           </a:xfrm>
         </p:spPr>
       </p:pic>
@@ -5258,7 +5913,7 @@
           <p:cNvPr id="3" name="Title 2">
             <a:extLst>
               <a:ext uri="{FF2B5EF4-FFF2-40B4-BE49-F238E27FC236}">
-                <a16:creationId xmlns:a16="http://schemas.microsoft.com/office/drawing/2014/main" id="{D37A7F98-2256-4899-9FD9-C7B8FE9F349C}"/>
+                <a16:creationId xmlns:a16="http://schemas.microsoft.com/office/drawing/2014/main" id="{C2AC46B6-4AE5-490B-A03A-F3A226481AA5}"/>
               </a:ext>
             </a:extLst>
           </p:cNvPr>
@@ -5272,7 +5927,7 @@
         <p:spPr>
           <a:xfrm>
             <a:off x="1097279" y="4799362"/>
-            <a:ext cx="10113645" cy="216521"/>
+            <a:ext cx="10113645" cy="304368"/>
           </a:xfrm>
         </p:spPr>
         <p:txBody>
@@ -5281,7 +5936,7 @@
           <a:p>
             <a:r>
               <a:rPr lang="en-US" dirty="0"/>
-              <a:t>   </a:t>
+              <a:t>     </a:t>
             </a:r>
           </a:p>
         </p:txBody>
@@ -5291,7 +5946,7 @@
           <p:cNvPr id="4" name="Text Placeholder 3">
             <a:extLst>
               <a:ext uri="{FF2B5EF4-FFF2-40B4-BE49-F238E27FC236}">
-                <a16:creationId xmlns:a16="http://schemas.microsoft.com/office/drawing/2014/main" id="{9FE327FD-ECC9-42BC-8D29-1978AA7BB3CC}"/>
+                <a16:creationId xmlns:a16="http://schemas.microsoft.com/office/drawing/2014/main" id="{4E75C16D-260D-4E82-B826-A0EA437F17B6}"/>
               </a:ext>
             </a:extLst>
           </p:cNvPr>
@@ -5304,8 +5959,8 @@
         </p:nvSpPr>
         <p:spPr>
           <a:xfrm>
-            <a:off x="1097279" y="5246703"/>
-            <a:ext cx="10113264" cy="1077897"/>
+            <a:off x="1097279" y="5103730"/>
+            <a:ext cx="10113264" cy="1220870"/>
           </a:xfrm>
         </p:spPr>
         <p:txBody>
@@ -5314,15 +5969,115 @@
           <a:p>
             <a:r>
               <a:rPr lang="en-US" dirty="0"/>
-              <a:t>The highest grossing video game movies of all time. Notice that 2 of them are in the Resident Evil series.</a:t>
-            </a:r>
+              <a:t>The highest grossing sequels of all time. Only 2 of them are the first sequel, the rest are at least the 3</a:t>
+            </a:r>
+            <a:r>
+              <a:rPr lang="en-US" baseline="30000" dirty="0"/>
+              <a:t>rd</a:t>
+            </a:r>
+            <a:r>
+              <a:rPr lang="en-US" dirty="0"/>
+              <a:t> in the series.</a:t>
+            </a:r>
+          </a:p>
+        </p:txBody>
+      </p:sp>
+      <p:sp>
+        <p:nvSpPr>
+          <p:cNvPr id="2" name="Arrow: Right 1">
+            <a:extLst>
+              <a:ext uri="{FF2B5EF4-FFF2-40B4-BE49-F238E27FC236}">
+                <a16:creationId xmlns:a16="http://schemas.microsoft.com/office/drawing/2014/main" id="{52575B6C-0098-41D0-B040-ECDDEF4A6195}"/>
+              </a:ext>
+            </a:extLst>
+          </p:cNvPr>
+          <p:cNvSpPr/>
+          <p:nvPr/>
+        </p:nvSpPr>
+        <p:spPr>
+          <a:xfrm>
+            <a:off x="2689934" y="1819922"/>
+            <a:ext cx="221942" cy="124288"/>
+          </a:xfrm>
+          <a:prstGeom prst="rightArrow">
+            <a:avLst/>
+          </a:prstGeom>
+        </p:spPr>
+        <p:style>
+          <a:lnRef idx="2">
+            <a:schemeClr val="dk1">
+              <a:shade val="50000"/>
+            </a:schemeClr>
+          </a:lnRef>
+          <a:fillRef idx="1">
+            <a:schemeClr val="dk1"/>
+          </a:fillRef>
+          <a:effectRef idx="0">
+            <a:schemeClr val="dk1"/>
+          </a:effectRef>
+          <a:fontRef idx="minor">
+            <a:schemeClr val="lt1"/>
+          </a:fontRef>
+        </p:style>
+        <p:txBody>
+          <a:bodyPr rtlCol="0" anchor="ctr"/>
+          <a:lstStyle/>
+          <a:p>
+            <a:pPr algn="ctr"/>
+            <a:endParaRPr lang="en-US"/>
+          </a:p>
+        </p:txBody>
+      </p:sp>
+      <p:sp>
+        <p:nvSpPr>
+          <p:cNvPr id="7" name="Arrow: Right 6">
+            <a:extLst>
+              <a:ext uri="{FF2B5EF4-FFF2-40B4-BE49-F238E27FC236}">
+                <a16:creationId xmlns:a16="http://schemas.microsoft.com/office/drawing/2014/main" id="{224451D3-481A-4A18-8235-6BEBB0502E6C}"/>
+              </a:ext>
+            </a:extLst>
+          </p:cNvPr>
+          <p:cNvSpPr/>
+          <p:nvPr/>
+        </p:nvSpPr>
+        <p:spPr>
+          <a:xfrm>
+            <a:off x="2423604" y="3159985"/>
+            <a:ext cx="221942" cy="124288"/>
+          </a:xfrm>
+          <a:prstGeom prst="rightArrow">
+            <a:avLst/>
+          </a:prstGeom>
+        </p:spPr>
+        <p:style>
+          <a:lnRef idx="2">
+            <a:schemeClr val="dk1">
+              <a:shade val="50000"/>
+            </a:schemeClr>
+          </a:lnRef>
+          <a:fillRef idx="1">
+            <a:schemeClr val="dk1"/>
+          </a:fillRef>
+          <a:effectRef idx="0">
+            <a:schemeClr val="dk1"/>
+          </a:effectRef>
+          <a:fontRef idx="minor">
+            <a:schemeClr val="lt1"/>
+          </a:fontRef>
+        </p:style>
+        <p:txBody>
+          <a:bodyPr rtlCol="0" anchor="ctr"/>
+          <a:lstStyle/>
+          <a:p>
+            <a:pPr algn="ctr"/>
+            <a:endParaRPr lang="en-US"/>
           </a:p>
         </p:txBody>
       </p:sp>
     </p:spTree>
     <p:extLst>
       <p:ext uri="{BB962C8B-B14F-4D97-AF65-F5344CB8AC3E}">
-        <p14:creationId xmlns:p14="http://schemas.microsoft.com/office/powerpoint/2010/main" val="483740882"/>
+        <p14:creationId xmlns:p14="http://schemas.microsoft.com/office/powerpoint/2010/main" val="2079611029"/>
       </p:ext>
     </p:extLst>
   </p:cSld>
@@ -5354,7 +6109,7 @@
           <p:cNvPr id="6" name="Picture Placeholder 5">
             <a:extLst>
               <a:ext uri="{FF2B5EF4-FFF2-40B4-BE49-F238E27FC236}">
-                <a16:creationId xmlns:a16="http://schemas.microsoft.com/office/drawing/2014/main" id="{AB9D45ED-B14A-42B9-B591-B64673191A76}"/>
+                <a16:creationId xmlns:a16="http://schemas.microsoft.com/office/drawing/2014/main" id="{8B14AB68-874F-4685-8961-35F0366A7A0C}"/>
               </a:ext>
             </a:extLst>
           </p:cNvPr>
@@ -5373,13 +6128,13 @@
               </a:ext>
             </a:extLst>
           </a:blip>
-          <a:srcRect t="342" b="4699"/>
+          <a:srcRect t="936" b="429"/>
           <a:stretch/>
         </p:blipFill>
         <p:spPr>
           <a:xfrm>
-            <a:off x="0" y="-41927"/>
-            <a:ext cx="12191985" cy="5450889"/>
+            <a:off x="0" y="0"/>
+            <a:ext cx="12191985" cy="4994671"/>
           </a:xfrm>
         </p:spPr>
       </p:pic>
@@ -5388,7 +6143,7 @@
           <p:cNvPr id="3" name="Title 2">
             <a:extLst>
               <a:ext uri="{FF2B5EF4-FFF2-40B4-BE49-F238E27FC236}">
-                <a16:creationId xmlns:a16="http://schemas.microsoft.com/office/drawing/2014/main" id="{217DAFB6-466E-4356-AE4C-C4264E71103A}"/>
+                <a16:creationId xmlns:a16="http://schemas.microsoft.com/office/drawing/2014/main" id="{D37A7F98-2256-4899-9FD9-C7B8FE9F349C}"/>
               </a:ext>
             </a:extLst>
           </p:cNvPr>
@@ -5402,7 +6157,7 @@
         <p:spPr>
           <a:xfrm>
             <a:off x="1097279" y="4799362"/>
-            <a:ext cx="10113645" cy="609600"/>
+            <a:ext cx="10113645" cy="216521"/>
           </a:xfrm>
         </p:spPr>
         <p:txBody>
@@ -5411,7 +6166,7 @@
           <a:p>
             <a:r>
               <a:rPr lang="en-US" dirty="0"/>
-              <a:t>  </a:t>
+              <a:t>   </a:t>
             </a:r>
           </a:p>
         </p:txBody>
@@ -5421,7 +6176,7 @@
           <p:cNvPr id="4" name="Text Placeholder 3">
             <a:extLst>
               <a:ext uri="{FF2B5EF4-FFF2-40B4-BE49-F238E27FC236}">
-                <a16:creationId xmlns:a16="http://schemas.microsoft.com/office/drawing/2014/main" id="{863902BB-08BC-4EA3-A66B-E478C0445CC7}"/>
+                <a16:creationId xmlns:a16="http://schemas.microsoft.com/office/drawing/2014/main" id="{9FE327FD-ECC9-42BC-8D29-1978AA7BB3CC}"/>
               </a:ext>
             </a:extLst>
           </p:cNvPr>
@@ -5434,8 +6189,8 @@
         </p:nvSpPr>
         <p:spPr>
           <a:xfrm>
-            <a:off x="1097279" y="5584054"/>
-            <a:ext cx="10113264" cy="740546"/>
+            <a:off x="1097279" y="5246703"/>
+            <a:ext cx="10113264" cy="1077897"/>
           </a:xfrm>
         </p:spPr>
         <p:txBody>
@@ -5444,15 +6199,107 @@
           <a:p>
             <a:r>
               <a:rPr lang="en-US" dirty="0"/>
-              <a:t>4 out of 5 of the Resident Evil movies made more than its predecessor, and all of them made more than the original.</a:t>
-            </a:r>
+              <a:t>The highest grossing video game movies of all time. Notice that 2 of them are in the Resident Evil series.</a:t>
+            </a:r>
+          </a:p>
+        </p:txBody>
+      </p:sp>
+      <p:sp>
+        <p:nvSpPr>
+          <p:cNvPr id="2" name="Star: 5 Points 1">
+            <a:extLst>
+              <a:ext uri="{FF2B5EF4-FFF2-40B4-BE49-F238E27FC236}">
+                <a16:creationId xmlns:a16="http://schemas.microsoft.com/office/drawing/2014/main" id="{6C18441F-A8A6-4AFA-A0B5-4A2303ED8530}"/>
+              </a:ext>
+            </a:extLst>
+          </p:cNvPr>
+          <p:cNvSpPr/>
+          <p:nvPr/>
+        </p:nvSpPr>
+        <p:spPr>
+          <a:xfrm>
+            <a:off x="426128" y="2497335"/>
+            <a:ext cx="159798" cy="168676"/>
+          </a:xfrm>
+          <a:prstGeom prst="star5">
+            <a:avLst/>
+          </a:prstGeom>
+        </p:spPr>
+        <p:style>
+          <a:lnRef idx="2">
+            <a:schemeClr val="accent2">
+              <a:shade val="50000"/>
+            </a:schemeClr>
+          </a:lnRef>
+          <a:fillRef idx="1">
+            <a:schemeClr val="accent2"/>
+          </a:fillRef>
+          <a:effectRef idx="0">
+            <a:schemeClr val="accent2"/>
+          </a:effectRef>
+          <a:fontRef idx="minor">
+            <a:schemeClr val="lt1"/>
+          </a:fontRef>
+        </p:style>
+        <p:txBody>
+          <a:bodyPr rtlCol="0" anchor="ctr"/>
+          <a:lstStyle/>
+          <a:p>
+            <a:pPr algn="ctr"/>
+            <a:endParaRPr lang="en-US"/>
+          </a:p>
+        </p:txBody>
+      </p:sp>
+      <p:sp>
+        <p:nvSpPr>
+          <p:cNvPr id="7" name="Star: 5 Points 6">
+            <a:extLst>
+              <a:ext uri="{FF2B5EF4-FFF2-40B4-BE49-F238E27FC236}">
+                <a16:creationId xmlns:a16="http://schemas.microsoft.com/office/drawing/2014/main" id="{A73EFF31-1CF5-46E6-817F-A010F92608D1}"/>
+              </a:ext>
+            </a:extLst>
+          </p:cNvPr>
+          <p:cNvSpPr/>
+          <p:nvPr/>
+        </p:nvSpPr>
+        <p:spPr>
+          <a:xfrm>
+            <a:off x="1208842" y="3344662"/>
+            <a:ext cx="159798" cy="168676"/>
+          </a:xfrm>
+          <a:prstGeom prst="star5">
+            <a:avLst/>
+          </a:prstGeom>
+        </p:spPr>
+        <p:style>
+          <a:lnRef idx="2">
+            <a:schemeClr val="accent2">
+              <a:shade val="50000"/>
+            </a:schemeClr>
+          </a:lnRef>
+          <a:fillRef idx="1">
+            <a:schemeClr val="accent2"/>
+          </a:fillRef>
+          <a:effectRef idx="0">
+            <a:schemeClr val="accent2"/>
+          </a:effectRef>
+          <a:fontRef idx="minor">
+            <a:schemeClr val="lt1"/>
+          </a:fontRef>
+        </p:style>
+        <p:txBody>
+          <a:bodyPr rtlCol="0" anchor="ctr"/>
+          <a:lstStyle/>
+          <a:p>
+            <a:pPr algn="ctr"/>
+            <a:endParaRPr lang="en-US"/>
           </a:p>
         </p:txBody>
       </p:sp>
     </p:spTree>
     <p:extLst>
       <p:ext uri="{BB962C8B-B14F-4D97-AF65-F5344CB8AC3E}">
-        <p14:creationId xmlns:p14="http://schemas.microsoft.com/office/powerpoint/2010/main" val="2105763950"/>
+        <p14:creationId xmlns:p14="http://schemas.microsoft.com/office/powerpoint/2010/main" val="483740882"/>
       </p:ext>
     </p:extLst>
   </p:cSld>
